--- a/R/2019_09_CBL_workshop/2019_09_CBL_workshop.pptx
+++ b/R/2019_09_CBL_workshop/2019_09_CBL_workshop.pptx
@@ -210,7 +210,7 @@
           <a:p>
             <a:fld id="{66F3241B-3B14-4A4B-A121-5B172DDC7CF5}" type="datetimeFigureOut">
               <a:rPr lang="fr-FR" smtClean="0"/>
-              <a:t>05/08/2019</a:t>
+              <a:t>26/09/2019</a:t>
             </a:fld>
             <a:endParaRPr lang="fr-FR"/>
           </a:p>
@@ -1579,7 +1579,7 @@
           <a:p>
             <a:fld id="{0BE361FC-49C0-480A-AAC2-52EE9EC5D34A}" type="datetimeFigureOut">
               <a:rPr lang="fr-FR" smtClean="0"/>
-              <a:t>05/08/2019</a:t>
+              <a:t>26/09/2019</a:t>
             </a:fld>
             <a:endParaRPr lang="fr-FR"/>
           </a:p>
@@ -1779,7 +1779,7 @@
           <a:p>
             <a:fld id="{0BE361FC-49C0-480A-AAC2-52EE9EC5D34A}" type="datetimeFigureOut">
               <a:rPr lang="fr-FR" smtClean="0"/>
-              <a:t>05/08/2019</a:t>
+              <a:t>26/09/2019</a:t>
             </a:fld>
             <a:endParaRPr lang="fr-FR"/>
           </a:p>
@@ -1989,7 +1989,7 @@
           <a:p>
             <a:fld id="{0BE361FC-49C0-480A-AAC2-52EE9EC5D34A}" type="datetimeFigureOut">
               <a:rPr lang="fr-FR" smtClean="0"/>
-              <a:t>05/08/2019</a:t>
+              <a:t>26/09/2019</a:t>
             </a:fld>
             <a:endParaRPr lang="fr-FR"/>
           </a:p>
@@ -2189,7 +2189,7 @@
           <a:p>
             <a:fld id="{0BE361FC-49C0-480A-AAC2-52EE9EC5D34A}" type="datetimeFigureOut">
               <a:rPr lang="fr-FR" smtClean="0"/>
-              <a:t>05/08/2019</a:t>
+              <a:t>26/09/2019</a:t>
             </a:fld>
             <a:endParaRPr lang="fr-FR"/>
           </a:p>
@@ -2465,7 +2465,7 @@
           <a:p>
             <a:fld id="{0BE361FC-49C0-480A-AAC2-52EE9EC5D34A}" type="datetimeFigureOut">
               <a:rPr lang="fr-FR" smtClean="0"/>
-              <a:t>05/08/2019</a:t>
+              <a:t>26/09/2019</a:t>
             </a:fld>
             <a:endParaRPr lang="fr-FR"/>
           </a:p>
@@ -2733,7 +2733,7 @@
           <a:p>
             <a:fld id="{0BE361FC-49C0-480A-AAC2-52EE9EC5D34A}" type="datetimeFigureOut">
               <a:rPr lang="fr-FR" smtClean="0"/>
-              <a:t>05/08/2019</a:t>
+              <a:t>26/09/2019</a:t>
             </a:fld>
             <a:endParaRPr lang="fr-FR"/>
           </a:p>
@@ -3148,7 +3148,7 @@
           <a:p>
             <a:fld id="{0BE361FC-49C0-480A-AAC2-52EE9EC5D34A}" type="datetimeFigureOut">
               <a:rPr lang="fr-FR" smtClean="0"/>
-              <a:t>05/08/2019</a:t>
+              <a:t>26/09/2019</a:t>
             </a:fld>
             <a:endParaRPr lang="fr-FR"/>
           </a:p>
@@ -3290,7 +3290,7 @@
           <a:p>
             <a:fld id="{0BE361FC-49C0-480A-AAC2-52EE9EC5D34A}" type="datetimeFigureOut">
               <a:rPr lang="fr-FR" smtClean="0"/>
-              <a:t>05/08/2019</a:t>
+              <a:t>26/09/2019</a:t>
             </a:fld>
             <a:endParaRPr lang="fr-FR"/>
           </a:p>
@@ -3403,7 +3403,7 @@
           <a:p>
             <a:fld id="{0BE361FC-49C0-480A-AAC2-52EE9EC5D34A}" type="datetimeFigureOut">
               <a:rPr lang="fr-FR" smtClean="0"/>
-              <a:t>05/08/2019</a:t>
+              <a:t>26/09/2019</a:t>
             </a:fld>
             <a:endParaRPr lang="fr-FR"/>
           </a:p>
@@ -3716,7 +3716,7 @@
           <a:p>
             <a:fld id="{0BE361FC-49C0-480A-AAC2-52EE9EC5D34A}" type="datetimeFigureOut">
               <a:rPr lang="fr-FR" smtClean="0"/>
-              <a:t>05/08/2019</a:t>
+              <a:t>26/09/2019</a:t>
             </a:fld>
             <a:endParaRPr lang="fr-FR"/>
           </a:p>
@@ -4005,7 +4005,7 @@
           <a:p>
             <a:fld id="{0BE361FC-49C0-480A-AAC2-52EE9EC5D34A}" type="datetimeFigureOut">
               <a:rPr lang="fr-FR" smtClean="0"/>
-              <a:t>05/08/2019</a:t>
+              <a:t>26/09/2019</a:t>
             </a:fld>
             <a:endParaRPr lang="fr-FR"/>
           </a:p>
@@ -4248,7 +4248,7 @@
           <a:p>
             <a:fld id="{0BE361FC-49C0-480A-AAC2-52EE9EC5D34A}" type="datetimeFigureOut">
               <a:rPr lang="fr-FR" smtClean="0"/>
-              <a:t>05/08/2019</a:t>
+              <a:t>26/09/2019</a:t>
             </a:fld>
             <a:endParaRPr lang="fr-FR"/>
           </a:p>
@@ -6852,36 +6852,12 @@
               <a:buChar char="o"/>
             </a:pPr>
             <a:r>
-              <a:rPr lang="fr-FR" sz="2800" dirty="0" err="1">
+              <a:rPr lang="fr-FR" sz="2800" dirty="0">
                 <a:solidFill>
                   <a:srgbClr val="0070C0"/>
                 </a:solidFill>
               </a:rPr>
-              <a:t>TukeyHSD</a:t>
-            </a:r>
-            <a:r>
-              <a:rPr lang="fr-FR" sz="2800" dirty="0">
-                <a:solidFill>
-                  <a:srgbClr val="0070C0"/>
-                </a:solidFill>
-              </a:rPr>
-              <a:t>(fit, "</a:t>
-            </a:r>
-            <a:r>
-              <a:rPr lang="fr-FR" sz="2800" dirty="0" err="1">
-                <a:solidFill>
-                  <a:srgbClr val="0070C0"/>
-                </a:solidFill>
-              </a:rPr>
-              <a:t>Sex</a:t>
-            </a:r>
-            <a:r>
-              <a:rPr lang="fr-FR" sz="2800">
-                <a:solidFill>
-                  <a:srgbClr val="0070C0"/>
-                </a:solidFill>
-              </a:rPr>
-              <a:t>")</a:t>
+              <a:t>TukeyHSD(fit, "Sex")</a:t>
             </a:r>
             <a:endParaRPr lang="fr-FR" sz="3200" dirty="0">
               <a:solidFill>
@@ -7210,23 +7186,7 @@
             </a:pPr>
             <a:r>
               <a:rPr lang="fr-FR" sz="3200" dirty="0"/>
-              <a:t>Gold </a:t>
-            </a:r>
-            <a:r>
-              <a:rPr lang="fr-FR" sz="3200" dirty="0" err="1"/>
-              <a:t>standart</a:t>
-            </a:r>
-            <a:r>
-              <a:rPr lang="fr-FR" sz="3200" dirty="0"/>
-              <a:t> </a:t>
-            </a:r>
-            <a:r>
-              <a:rPr lang="fr-FR" sz="3200" dirty="0" err="1"/>
-              <a:t>accross</a:t>
-            </a:r>
-            <a:r>
-              <a:rPr lang="fr-FR" sz="3200" dirty="0"/>
-              <a:t> science</a:t>
+              <a:t>Gold standard accross science</a:t>
             </a:r>
           </a:p>
           <a:p>
